--- a/GreedyMemoDP.pptx
+++ b/GreedyMemoDP.pptx
@@ -5,34 +5,33 @@
     <p:sldMasterId id="2147483648" r:id="rId2"/>
   </p:sldMasterIdLst>
   <p:notesMasterIdLst>
-    <p:notesMasterId r:id="rId20"/>
+    <p:notesMasterId r:id="rId19"/>
   </p:notesMasterIdLst>
   <p:handoutMasterIdLst>
-    <p:handoutMasterId r:id="rId21"/>
+    <p:handoutMasterId r:id="rId20"/>
   </p:handoutMasterIdLst>
   <p:sldIdLst>
     <p:sldId id="265" r:id="rId3"/>
     <p:sldId id="310" r:id="rId4"/>
-    <p:sldId id="313" r:id="rId5"/>
-    <p:sldId id="312" r:id="rId6"/>
-    <p:sldId id="318" r:id="rId7"/>
-    <p:sldId id="314" r:id="rId8"/>
-    <p:sldId id="320" r:id="rId9"/>
-    <p:sldId id="322" r:id="rId10"/>
-    <p:sldId id="323" r:id="rId11"/>
-    <p:sldId id="324" r:id="rId12"/>
-    <p:sldId id="325" r:id="rId13"/>
-    <p:sldId id="321" r:id="rId14"/>
-    <p:sldId id="326" r:id="rId15"/>
-    <p:sldId id="327" r:id="rId16"/>
-    <p:sldId id="328" r:id="rId17"/>
-    <p:sldId id="329" r:id="rId18"/>
-    <p:sldId id="317" r:id="rId19"/>
+    <p:sldId id="312" r:id="rId5"/>
+    <p:sldId id="318" r:id="rId6"/>
+    <p:sldId id="314" r:id="rId7"/>
+    <p:sldId id="320" r:id="rId8"/>
+    <p:sldId id="322" r:id="rId9"/>
+    <p:sldId id="323" r:id="rId10"/>
+    <p:sldId id="324" r:id="rId11"/>
+    <p:sldId id="325" r:id="rId12"/>
+    <p:sldId id="321" r:id="rId13"/>
+    <p:sldId id="326" r:id="rId14"/>
+    <p:sldId id="327" r:id="rId15"/>
+    <p:sldId id="328" r:id="rId16"/>
+    <p:sldId id="329" r:id="rId17"/>
+    <p:sldId id="317" r:id="rId18"/>
   </p:sldIdLst>
   <p:sldSz cx="12188825" cy="6858000"/>
   <p:notesSz cx="6858000" cy="9144000"/>
   <p:custDataLst>
-    <p:tags r:id="rId22"/>
+    <p:tags r:id="rId21"/>
   </p:custDataLst>
   <p:defaultTextStyle>
     <a:defPPr>
@@ -7918,7 +7917,7 @@
       </p:grpSpPr>
       <p:sp>
         <p:nvSpPr>
-          <p:cNvPr id="2" name="Title 1"/>
+          <p:cNvPr id="13" name="Title 12"/>
           <p:cNvSpPr>
             <a:spLocks noGrp="1"/>
           </p:cNvSpPr>
@@ -7933,7 +7932,7 @@
           <a:p>
             <a:r>
               <a:rPr lang="en-US" dirty="0" smtClean="0"/>
-              <a:t>Can You Improve This Further? (Pt. 2)</a:t>
+              <a:t>When Recursion Gets Expensive</a:t>
             </a:r>
             <a:endParaRPr lang="en-US" dirty="0"/>
           </a:p>
@@ -7941,22 +7940,38 @@
       </p:sp>
       <p:sp>
         <p:nvSpPr>
-          <p:cNvPr id="3" name="Text Placeholder 2"/>
+          <p:cNvPr id="14" name="Content Placeholder 13"/>
           <p:cNvSpPr>
             <a:spLocks noGrp="1"/>
           </p:cNvSpPr>
           <p:nvPr>
-            <p:ph type="body" idx="1"/>
+            <p:ph idx="1"/>
           </p:nvPr>
         </p:nvSpPr>
         <p:spPr/>
         <p:txBody>
-          <a:bodyPr/>
+          <a:bodyPr>
+            <a:normAutofit/>
+          </a:bodyPr>
           <a:lstStyle/>
           <a:p>
             <a:r>
               <a:rPr lang="en-US" dirty="0" smtClean="0"/>
-              <a:t>Improving from Recursion</a:t>
+              <a:t>The “Top-Down” approach used by recursion means until the smallest sub-problem is solved, each recursion call will take up additional memory space.</a:t>
+            </a:r>
+          </a:p>
+          <a:p>
+            <a:r>
+              <a:rPr lang="en-US" dirty="0" smtClean="0"/>
+              <a:t>In a large enough problem, the additional memory consumption may mean difficulties with scalability even with </a:t>
+            </a:r>
+            <a:r>
+              <a:rPr lang="en-US" dirty="0" err="1" smtClean="0"/>
+              <a:t>memoization</a:t>
+            </a:r>
+            <a:r>
+              <a:rPr lang="en-US" dirty="0" smtClean="0"/>
+              <a:t>.</a:t>
             </a:r>
             <a:endParaRPr lang="en-US" dirty="0"/>
           </a:p>
@@ -7965,7 +7980,7 @@
     </p:spTree>
     <p:extLst>
       <p:ext uri="{BB962C8B-B14F-4D97-AF65-F5344CB8AC3E}">
-        <p14:creationId xmlns:p14="http://schemas.microsoft.com/office/powerpoint/2010/main" val="453418106"/>
+        <p14:creationId xmlns:p14="http://schemas.microsoft.com/office/powerpoint/2010/main" val="2235190883"/>
       </p:ext>
     </p:extLst>
   </p:cSld>
@@ -7984,6 +7999,13 @@
       </p:transition>
     </mc:Fallback>
   </mc:AlternateContent>
+  <p:timing>
+    <p:tnLst>
+      <p:par>
+        <p:cTn id="1" dur="indefinite" restart="never" nodeType="tmRoot"/>
+      </p:par>
+    </p:tnLst>
+  </p:timing>
 </p:sld>
 </file>
 
@@ -8021,7 +8043,7 @@
           <a:p>
             <a:r>
               <a:rPr lang="en-US" dirty="0" smtClean="0"/>
-              <a:t>When Recursion Gets Expensive</a:t>
+              <a:t>Dynamic Programming</a:t>
             </a:r>
             <a:endParaRPr lang="en-US" dirty="0"/>
           </a:p>
@@ -8037,31 +8059,114 @@
             <p:ph idx="1"/>
           </p:nvPr>
         </p:nvSpPr>
-        <p:spPr/>
+        <p:spPr>
+          <a:xfrm>
+            <a:off x="1522413" y="1904999"/>
+            <a:ext cx="9134391" cy="4572001"/>
+          </a:xfrm>
+        </p:spPr>
         <p:txBody>
           <a:bodyPr>
-            <a:normAutofit/>
+            <a:normAutofit fontScale="85000" lnSpcReduction="10000"/>
           </a:bodyPr>
           <a:lstStyle/>
           <a:p>
             <a:r>
+              <a:rPr lang="en-US" dirty="0"/>
+              <a:t>D</a:t>
+            </a:r>
+            <a:r>
               <a:rPr lang="en-US" dirty="0" smtClean="0"/>
-              <a:t>The “Top-Down” approach used by recursion means until the smallest sub-problem is solved, each recursion call will take up additional memory space.</a:t>
-            </a:r>
-          </a:p>
-          <a:p>
+              <a:t>ynamic </a:t>
+            </a:r>
+            <a:r>
+              <a:rPr lang="en-US" dirty="0"/>
+              <a:t>programming is a method for solving a complex problem by breaking it down into a collection of simpler </a:t>
+            </a:r>
+            <a:r>
+              <a:rPr lang="en-US" dirty="0" err="1"/>
+              <a:t>subproblems</a:t>
+            </a:r>
+            <a:r>
+              <a:rPr lang="en-US" dirty="0"/>
+              <a:t>. It is applicable to problems exhibiting the properties of overlapping </a:t>
+            </a:r>
             <a:r>
               <a:rPr lang="en-US" dirty="0" smtClean="0"/>
-              <a:t>In a large enough problem, the additional memory consumption may mean difficulties with scalability even with </a:t>
-            </a:r>
-            <a:r>
-              <a:rPr lang="en-US" dirty="0" err="1" smtClean="0"/>
-              <a:t>memoization</a:t>
+              <a:t>sub-problems </a:t>
+            </a:r>
+            <a:r>
+              <a:rPr lang="en-US" dirty="0"/>
+              <a:t>and optimal substructure</a:t>
             </a:r>
             <a:r>
               <a:rPr lang="en-US" dirty="0" smtClean="0"/>
-              <a:t>.</a:t>
-            </a:r>
+              <a:t>. (Wikipedia)</a:t>
+            </a:r>
+          </a:p>
+          <a:p>
+            <a:r>
+              <a:rPr lang="en-US" dirty="0" smtClean="0"/>
+              <a:t>Solves “optimal path” problems by taking a “bottom-up” approach.</a:t>
+            </a:r>
+          </a:p>
+          <a:p>
+            <a:r>
+              <a:rPr lang="en-US" dirty="0" smtClean="0"/>
+              <a:t>In contrast to Divide-and-Conquer, D-&amp;-C solves a problem by breaking it down into a subset of </a:t>
+            </a:r>
+            <a:r>
+              <a:rPr lang="en-US" b="1" i="1" dirty="0" smtClean="0"/>
+              <a:t>non-overlapping</a:t>
+            </a:r>
+            <a:r>
+              <a:rPr lang="en-US" dirty="0" smtClean="0"/>
+              <a:t> sub-problems.</a:t>
+            </a:r>
+          </a:p>
+          <a:p>
+            <a:r>
+              <a:rPr lang="en-US" dirty="0" smtClean="0"/>
+              <a:t>Some classic examples include:</a:t>
+            </a:r>
+          </a:p>
+          <a:p>
+            <a:pPr lvl="1"/>
+            <a:r>
+              <a:rPr lang="en-US" dirty="0" smtClean="0"/>
+              <a:t>Knapsack Problem (find max value of items with different weights given a weigh limit)</a:t>
+            </a:r>
+          </a:p>
+          <a:p>
+            <a:pPr lvl="1"/>
+            <a:r>
+              <a:rPr lang="en-US" dirty="0" smtClean="0"/>
+              <a:t>Longest Common Sequence (given a pair of strings, the sequence of common char’s)</a:t>
+            </a:r>
+          </a:p>
+          <a:p>
+            <a:pPr lvl="1"/>
+            <a:r>
+              <a:rPr lang="en-US" dirty="0" smtClean="0"/>
+              <a:t>Longest Increasing Subsequence (given a set of numbers, the increasing set of numbers)</a:t>
+            </a:r>
+          </a:p>
+          <a:p>
+            <a:pPr lvl="1"/>
+            <a:r>
+              <a:rPr lang="en-US" dirty="0" smtClean="0"/>
+              <a:t>Minimum Cost Path (given a matrix with costs at each node, lowest cost from ‘a’ to ‘b’)</a:t>
+            </a:r>
+          </a:p>
+          <a:p>
+            <a:pPr lvl="1"/>
+            <a:r>
+              <a:rPr lang="en-US" dirty="0" smtClean="0"/>
+              <a:t>Matrix Multiplication (given a set of matrices, find the lowest cost of performing multiplication)</a:t>
+            </a:r>
+          </a:p>
+          <a:p>
+            <a:pPr lvl="1"/>
             <a:endParaRPr lang="en-US" dirty="0"/>
           </a:p>
         </p:txBody>
@@ -8069,7 +8174,7 @@
     </p:spTree>
     <p:extLst>
       <p:ext uri="{BB962C8B-B14F-4D97-AF65-F5344CB8AC3E}">
-        <p14:creationId xmlns:p14="http://schemas.microsoft.com/office/powerpoint/2010/main" val="2235190883"/>
+        <p14:creationId xmlns:p14="http://schemas.microsoft.com/office/powerpoint/2010/main" val="2094230454"/>
       </p:ext>
     </p:extLst>
   </p:cSld>
@@ -8127,12 +8232,21 @@
         </p:nvSpPr>
         <p:spPr/>
         <p:txBody>
-          <a:bodyPr/>
+          <a:bodyPr>
+            <a:normAutofit/>
+          </a:bodyPr>
           <a:lstStyle/>
           <a:p>
             <a:r>
               <a:rPr lang="en-US" dirty="0" smtClean="0"/>
-              <a:t>Dynamic Programming</a:t>
+              <a:t/>
+            </a:r>
+            <a:br>
+              <a:rPr lang="en-US" dirty="0" smtClean="0"/>
+            </a:br>
+            <a:r>
+              <a:rPr lang="en-US" dirty="0" smtClean="0"/>
+              <a:t>Minimum Steps to Zero w/ DP</a:t>
             </a:r>
             <a:endParaRPr lang="en-US" dirty="0"/>
           </a:p>
@@ -8148,114 +8262,109 @@
             <p:ph idx="1"/>
           </p:nvPr>
         </p:nvSpPr>
-        <p:spPr>
-          <a:xfrm>
-            <a:off x="1522413" y="1904999"/>
-            <a:ext cx="9134391" cy="4572001"/>
-          </a:xfrm>
-        </p:spPr>
+        <p:spPr/>
         <p:txBody>
           <a:bodyPr>
-            <a:normAutofit fontScale="85000" lnSpcReduction="10000"/>
+            <a:normAutofit/>
           </a:bodyPr>
           <a:lstStyle/>
           <a:p>
             <a:r>
-              <a:rPr lang="en-US" dirty="0"/>
-              <a:t>D</a:t>
-            </a:r>
-            <a:r>
               <a:rPr lang="en-US" dirty="0" smtClean="0"/>
-              <a:t>ynamic </a:t>
-            </a:r>
-            <a:r>
-              <a:rPr lang="en-US" dirty="0"/>
-              <a:t>programming is a method for solving a complex problem by breaking it down into a collection of simpler </a:t>
-            </a:r>
-            <a:r>
-              <a:rPr lang="en-US" dirty="0" err="1"/>
-              <a:t>subproblems</a:t>
-            </a:r>
-            <a:r>
-              <a:rPr lang="en-US" dirty="0"/>
-              <a:t>. It is applicable to problems exhibiting the properties of overlapping </a:t>
-            </a:r>
+              <a:t>“Bottom-Up” Approach</a:t>
+            </a:r>
+          </a:p>
+          <a:p>
+            <a:pPr lvl="1"/>
             <a:r>
               <a:rPr lang="en-US" dirty="0" smtClean="0"/>
-              <a:t>sub-problems </a:t>
-            </a:r>
-            <a:r>
-              <a:rPr lang="en-US" dirty="0"/>
-              <a:t>and optimal substructure</a:t>
-            </a:r>
+              <a:t>Start with the base case, x = 1, which is counted as zero.</a:t>
+            </a:r>
+          </a:p>
+          <a:p>
+            <a:pPr lvl="1"/>
             <a:r>
               <a:rPr lang="en-US" dirty="0" smtClean="0"/>
-              <a:t>. (Wikipedia)</a:t>
-            </a:r>
-          </a:p>
-          <a:p>
+              <a:t>Keep increasing ‘x’ up and computing the best result in each level (iterative loop) by using results from the lower level.  </a:t>
+            </a:r>
+          </a:p>
+          <a:p>
+            <a:pPr lvl="2"/>
+            <a:r>
+              <a:rPr lang="en-US" sz="1600" dirty="0" err="1" smtClean="0">
+                <a:latin typeface="Consolas" panose="020B0609020204030204" pitchFamily="49" charset="0"/>
+                <a:cs typeface="Consolas" panose="020B0609020204030204" pitchFamily="49" charset="0"/>
+              </a:rPr>
+              <a:t>dp</a:t>
+            </a:r>
+            <a:r>
+              <a:rPr lang="en-US" sz="1600" dirty="0" smtClean="0">
+                <a:latin typeface="Consolas" panose="020B0609020204030204" pitchFamily="49" charset="0"/>
+                <a:cs typeface="Consolas" panose="020B0609020204030204" pitchFamily="49" charset="0"/>
+              </a:rPr>
+              <a:t>[</a:t>
+            </a:r>
+            <a:r>
+              <a:rPr lang="en-US" sz="1600" dirty="0" err="1" smtClean="0">
+                <a:latin typeface="Consolas" panose="020B0609020204030204" pitchFamily="49" charset="0"/>
+                <a:cs typeface="Consolas" panose="020B0609020204030204" pitchFamily="49" charset="0"/>
+              </a:rPr>
+              <a:t>i</a:t>
+            </a:r>
+            <a:r>
+              <a:rPr lang="en-US" sz="1600" dirty="0" smtClean="0">
+                <a:latin typeface="Consolas" panose="020B0609020204030204" pitchFamily="49" charset="0"/>
+                <a:cs typeface="Consolas" panose="020B0609020204030204" pitchFamily="49" charset="0"/>
+              </a:rPr>
+              <a:t>] = 1 </a:t>
+            </a:r>
+            <a:r>
+              <a:rPr lang="en-US" sz="1600" i="1" dirty="0" smtClean="0">
+                <a:latin typeface="Consolas" panose="020B0609020204030204" pitchFamily="49" charset="0"/>
+                <a:cs typeface="Consolas" panose="020B0609020204030204" pitchFamily="49" charset="0"/>
+              </a:rPr>
+              <a:t>(step at this level)</a:t>
+            </a:r>
+            <a:r>
+              <a:rPr lang="en-US" sz="1600" dirty="0" smtClean="0">
+                <a:latin typeface="Consolas" panose="020B0609020204030204" pitchFamily="49" charset="0"/>
+                <a:cs typeface="Consolas" panose="020B0609020204030204" pitchFamily="49" charset="0"/>
+              </a:rPr>
+              <a:t> + </a:t>
+            </a:r>
+            <a:r>
+              <a:rPr lang="en-US" sz="1600" dirty="0" err="1" smtClean="0">
+                <a:latin typeface="Consolas" panose="020B0609020204030204" pitchFamily="49" charset="0"/>
+                <a:cs typeface="Consolas" panose="020B0609020204030204" pitchFamily="49" charset="0"/>
+              </a:rPr>
+              <a:t>dp</a:t>
+            </a:r>
+            <a:r>
+              <a:rPr lang="en-US" sz="1600" dirty="0" smtClean="0">
+                <a:latin typeface="Consolas" panose="020B0609020204030204" pitchFamily="49" charset="0"/>
+                <a:cs typeface="Consolas" panose="020B0609020204030204" pitchFamily="49" charset="0"/>
+              </a:rPr>
+              <a:t>[i-1]  </a:t>
+            </a:r>
+            <a:r>
+              <a:rPr lang="en-US" sz="1600" i="1" dirty="0" smtClean="0">
+                <a:latin typeface="Consolas" panose="020B0609020204030204" pitchFamily="49" charset="0"/>
+                <a:cs typeface="Consolas" panose="020B0609020204030204" pitchFamily="49" charset="0"/>
+              </a:rPr>
+              <a:t>(# of steps from level below)</a:t>
+            </a:r>
+          </a:p>
+          <a:p>
+            <a:pPr lvl="1"/>
             <a:r>
               <a:rPr lang="en-US" dirty="0" smtClean="0"/>
-              <a:t>Solves “optimal path” problems by taking a “bottom-up” approach.</a:t>
-            </a:r>
-          </a:p>
-          <a:p>
-            <a:r>
-              <a:rPr lang="en-US" dirty="0" smtClean="0"/>
-              <a:t>In contrast to Divide-and-Conquer, D-&amp;-C solves a problem by breaking it down into a subset of </a:t>
-            </a:r>
-            <a:r>
-              <a:rPr lang="en-US" b="1" i="1" dirty="0" smtClean="0"/>
-              <a:t>non-overlapping</a:t>
-            </a:r>
-            <a:r>
-              <a:rPr lang="en-US" dirty="0" smtClean="0"/>
-              <a:t> sub-problems.</a:t>
-            </a:r>
-          </a:p>
-          <a:p>
-            <a:r>
-              <a:rPr lang="en-US" dirty="0" smtClean="0"/>
-              <a:t>Some classic examples include:</a:t>
-            </a:r>
-          </a:p>
-          <a:p>
-            <a:pPr lvl="1"/>
-            <a:r>
-              <a:rPr lang="en-US" dirty="0" smtClean="0"/>
-              <a:t>Knapsack Problem (find max value of items with different weights given a weigh limit)</a:t>
-            </a:r>
-          </a:p>
-          <a:p>
-            <a:pPr lvl="1"/>
-            <a:r>
-              <a:rPr lang="en-US" dirty="0" smtClean="0"/>
-              <a:t>Longest Common Sequence (given a pair of strings, the sequence of common char’s)</a:t>
-            </a:r>
-          </a:p>
-          <a:p>
-            <a:pPr lvl="1"/>
-            <a:r>
-              <a:rPr lang="en-US" dirty="0" smtClean="0"/>
-              <a:t>Longest Increasing Subsequence (given a set of numbers, the increasing set of numbers)</a:t>
-            </a:r>
-          </a:p>
-          <a:p>
-            <a:pPr lvl="1"/>
-            <a:r>
-              <a:rPr lang="en-US" dirty="0" smtClean="0"/>
-              <a:t>Minimum Cost Path (given a matrix with costs at each node, lowest cost from ‘a’ to ‘b’)</a:t>
-            </a:r>
-          </a:p>
-          <a:p>
-            <a:pPr lvl="1"/>
-            <a:r>
-              <a:rPr lang="en-US" dirty="0" smtClean="0"/>
-              <a:t>Matrix Multiplication (given a set of matrices, find the lowest cost of performing multiplication)</a:t>
-            </a:r>
-          </a:p>
-          <a:p>
-            <a:pPr lvl="1"/>
+              <a:t>Using memorization, store the best result at each level as it continues to climb.</a:t>
+            </a:r>
+          </a:p>
+          <a:p>
+            <a:pPr marL="0" indent="0">
+              <a:buNone/>
+            </a:pPr>
             <a:endParaRPr lang="en-US" dirty="0"/>
           </a:p>
         </p:txBody>
@@ -8263,7 +8372,7 @@
     </p:spTree>
     <p:extLst>
       <p:ext uri="{BB962C8B-B14F-4D97-AF65-F5344CB8AC3E}">
-        <p14:creationId xmlns:p14="http://schemas.microsoft.com/office/powerpoint/2010/main" val="2094230454"/>
+        <p14:creationId xmlns:p14="http://schemas.microsoft.com/office/powerpoint/2010/main" val="1170411890"/>
       </p:ext>
     </p:extLst>
   </p:cSld>
@@ -8311,7 +8420,7 @@
       </p:grpSpPr>
       <p:sp>
         <p:nvSpPr>
-          <p:cNvPr id="13" name="Title 12"/>
+          <p:cNvPr id="3" name="Title 2"/>
           <p:cNvSpPr>
             <a:spLocks noGrp="1"/>
           </p:cNvSpPr>
@@ -8319,23 +8428,33 @@
             <p:ph type="title"/>
           </p:nvPr>
         </p:nvSpPr>
-        <p:spPr/>
+        <p:spPr>
+          <a:xfrm>
+            <a:off x="1055604" y="685800"/>
+            <a:ext cx="9839408" cy="1752600"/>
+          </a:xfrm>
+        </p:spPr>
         <p:txBody>
-          <a:bodyPr>
-            <a:normAutofit/>
-          </a:bodyPr>
+          <a:bodyPr anchor="t"/>
           <a:lstStyle/>
           <a:p>
             <a:r>
               <a:rPr lang="en-US" dirty="0" smtClean="0"/>
-              <a:t/>
+              <a:t>White Board Q1:</a:t>
             </a:r>
             <a:br>
               <a:rPr lang="en-US" dirty="0" smtClean="0"/>
             </a:br>
             <a:r>
+              <a:rPr lang="en-US" dirty="0"/>
+              <a:t/>
+            </a:r>
+            <a:br>
+              <a:rPr lang="en-US" dirty="0"/>
+            </a:br>
+            <a:r>
               <a:rPr lang="en-US" dirty="0" smtClean="0"/>
-              <a:t>Minimum Steps to Zero w/ DP</a:t>
+              <a:t>Knapsack Problem</a:t>
             </a:r>
             <a:endParaRPr lang="en-US" dirty="0"/>
           </a:p>
@@ -8343,117 +8462,53 @@
       </p:sp>
       <p:sp>
         <p:nvSpPr>
-          <p:cNvPr id="14" name="Content Placeholder 13"/>
-          <p:cNvSpPr>
-            <a:spLocks noGrp="1"/>
-          </p:cNvSpPr>
-          <p:nvPr>
-            <p:ph idx="1"/>
-          </p:nvPr>
+          <p:cNvPr id="5" name="TextBox 4"/>
+          <p:cNvSpPr txBox="1"/>
+          <p:nvPr/>
         </p:nvSpPr>
-        <p:spPr/>
+        <p:spPr>
+          <a:xfrm>
+            <a:off x="1055604" y="2819400"/>
+            <a:ext cx="9839408" cy="1477328"/>
+          </a:xfrm>
+          <a:prstGeom prst="rect">
+            <a:avLst/>
+          </a:prstGeom>
+          <a:noFill/>
+        </p:spPr>
         <p:txBody>
-          <a:bodyPr>
-            <a:normAutofit/>
+          <a:bodyPr wrap="square" rtlCol="0">
+            <a:spAutoFit/>
           </a:bodyPr>
           <a:lstStyle/>
           <a:p>
             <a:r>
               <a:rPr lang="en-US" dirty="0" smtClean="0"/>
-              <a:t>“Bottom-Up” Approach</a:t>
-            </a:r>
-          </a:p>
-          <a:p>
-            <a:pPr lvl="1"/>
+              <a:t>Given a list of items, each item with its own weight and value, find the max possible value to store in a bag, given a weight limit ‘x’.</a:t>
+            </a:r>
+          </a:p>
+          <a:p>
+            <a:endParaRPr lang="en-US" dirty="0" smtClean="0"/>
+          </a:p>
+          <a:p>
+            <a:pPr marL="285750" indent="-285750">
+              <a:buFont typeface="Arial" panose="020B0604020202020204" pitchFamily="34" charset="0"/>
+              <a:buChar char="•"/>
+            </a:pPr>
             <a:r>
               <a:rPr lang="en-US" dirty="0" smtClean="0"/>
-              <a:t>Start with the base case, x = 1, which is counted as zero.</a:t>
-            </a:r>
-          </a:p>
-          <a:p>
-            <a:pPr lvl="1"/>
+              <a:t>Items in the list are not sorted.</a:t>
+            </a:r>
+          </a:p>
+          <a:p>
+            <a:pPr marL="285750" indent="-285750">
+              <a:buFont typeface="Arial" panose="020B0604020202020204" pitchFamily="34" charset="0"/>
+              <a:buChar char="•"/>
+            </a:pPr>
             <a:r>
               <a:rPr lang="en-US" dirty="0" smtClean="0"/>
-              <a:t>Keep increasing ‘x’ up and computing the best result in each level (iterative loop) by using results from the lower level.  </a:t>
-            </a:r>
-          </a:p>
-          <a:p>
-            <a:pPr lvl="2"/>
-            <a:r>
-              <a:rPr lang="en-US" sz="1600" dirty="0" err="1" smtClean="0">
-                <a:latin typeface="Consolas" panose="020B0609020204030204" pitchFamily="49" charset="0"/>
-                <a:cs typeface="Consolas" panose="020B0609020204030204" pitchFamily="49" charset="0"/>
-              </a:rPr>
-              <a:t>dp</a:t>
-            </a:r>
-            <a:r>
-              <a:rPr lang="en-US" sz="1600" dirty="0" smtClean="0">
-                <a:latin typeface="Consolas" panose="020B0609020204030204" pitchFamily="49" charset="0"/>
-                <a:cs typeface="Consolas" panose="020B0609020204030204" pitchFamily="49" charset="0"/>
-              </a:rPr>
-              <a:t>[</a:t>
-            </a:r>
-            <a:r>
-              <a:rPr lang="en-US" sz="1600" dirty="0" err="1" smtClean="0">
-                <a:latin typeface="Consolas" panose="020B0609020204030204" pitchFamily="49" charset="0"/>
-                <a:cs typeface="Consolas" panose="020B0609020204030204" pitchFamily="49" charset="0"/>
-              </a:rPr>
-              <a:t>i</a:t>
-            </a:r>
-            <a:r>
-              <a:rPr lang="en-US" sz="1600" dirty="0" smtClean="0">
-                <a:latin typeface="Consolas" panose="020B0609020204030204" pitchFamily="49" charset="0"/>
-                <a:cs typeface="Consolas" panose="020B0609020204030204" pitchFamily="49" charset="0"/>
-              </a:rPr>
-              <a:t>] = 1 </a:t>
-            </a:r>
-            <a:r>
-              <a:rPr lang="en-US" sz="1600" i="1" dirty="0" smtClean="0">
-                <a:latin typeface="Consolas" panose="020B0609020204030204" pitchFamily="49" charset="0"/>
-                <a:cs typeface="Consolas" panose="020B0609020204030204" pitchFamily="49" charset="0"/>
-              </a:rPr>
-              <a:t>(step at this level)</a:t>
-            </a:r>
-            <a:r>
-              <a:rPr lang="en-US" sz="1600" dirty="0" smtClean="0">
-                <a:latin typeface="Consolas" panose="020B0609020204030204" pitchFamily="49" charset="0"/>
-                <a:cs typeface="Consolas" panose="020B0609020204030204" pitchFamily="49" charset="0"/>
-              </a:rPr>
-              <a:t> + </a:t>
-            </a:r>
-            <a:r>
-              <a:rPr lang="en-US" sz="1600" dirty="0" err="1" smtClean="0">
-                <a:latin typeface="Consolas" panose="020B0609020204030204" pitchFamily="49" charset="0"/>
-                <a:cs typeface="Consolas" panose="020B0609020204030204" pitchFamily="49" charset="0"/>
-              </a:rPr>
-              <a:t>dp</a:t>
-            </a:r>
-            <a:r>
-              <a:rPr lang="en-US" sz="1600" dirty="0" smtClean="0">
-                <a:latin typeface="Consolas" panose="020B0609020204030204" pitchFamily="49" charset="0"/>
-                <a:cs typeface="Consolas" panose="020B0609020204030204" pitchFamily="49" charset="0"/>
-              </a:rPr>
-              <a:t>[i-1]  </a:t>
-            </a:r>
-            <a:r>
-              <a:rPr lang="en-US" sz="1600" i="1" dirty="0" smtClean="0">
-                <a:latin typeface="Consolas" panose="020B0609020204030204" pitchFamily="49" charset="0"/>
-                <a:cs typeface="Consolas" panose="020B0609020204030204" pitchFamily="49" charset="0"/>
-              </a:rPr>
-              <a:t>(# of steps from level below)</a:t>
-            </a:r>
-          </a:p>
-          <a:p>
-            <a:pPr lvl="1"/>
-            <a:r>
-              <a:rPr lang="en-US" dirty="0" smtClean="0"/>
-              <a:t>Using memorization, store the best result at each level as it continues to climb.</a:t>
-            </a:r>
-          </a:p>
-          <a:p>
-            <a:pPr marL="0" indent="0">
-              <a:buNone/>
-            </a:pPr>
+              <a:t>Each item may only be picked once.</a:t>
+            </a:r>
             <a:endParaRPr lang="en-US" dirty="0"/>
           </a:p>
         </p:txBody>
@@ -8461,7 +8516,7 @@
     </p:spTree>
     <p:extLst>
       <p:ext uri="{BB962C8B-B14F-4D97-AF65-F5344CB8AC3E}">
-        <p14:creationId xmlns:p14="http://schemas.microsoft.com/office/powerpoint/2010/main" val="1170411890"/>
+        <p14:creationId xmlns:p14="http://schemas.microsoft.com/office/powerpoint/2010/main" val="2487188066"/>
       </p:ext>
     </p:extLst>
   </p:cSld>
@@ -8480,13 +8535,6 @@
       </p:transition>
     </mc:Fallback>
   </mc:AlternateContent>
-  <p:timing>
-    <p:tnLst>
-      <p:par>
-        <p:cTn id="1" dur="indefinite" restart="never" nodeType="tmRoot"/>
-      </p:par>
-    </p:tnLst>
-  </p:timing>
 </p:sld>
 </file>
 
@@ -8529,7 +8577,7 @@
           <a:p>
             <a:r>
               <a:rPr lang="en-US" dirty="0" smtClean="0"/>
-              <a:t>White Board Q1:</a:t>
+              <a:t>White Board Q2:</a:t>
             </a:r>
             <a:br>
               <a:rPr lang="en-US" dirty="0" smtClean="0"/>
@@ -8543,7 +8591,7 @@
             </a:br>
             <a:r>
               <a:rPr lang="en-US" dirty="0" smtClean="0"/>
-              <a:t>Knapsack Problem</a:t>
+              <a:t>Longest Common Subsequence</a:t>
             </a:r>
             <a:endParaRPr lang="en-US" dirty="0"/>
           </a:p>
@@ -8573,7 +8621,7 @@
           <a:p>
             <a:r>
               <a:rPr lang="en-US" dirty="0" smtClean="0"/>
-              <a:t>Given a list of items, each item with its own weight and value, find the max possible value to store in a bag, given a weight limit ‘x’.</a:t>
+              <a:t>Given 2 strings, find the length of the longest sequence present in both strings.</a:t>
             </a:r>
           </a:p>
           <a:p>
@@ -8586,26 +8634,35 @@
             </a:pPr>
             <a:r>
               <a:rPr lang="en-US" dirty="0" smtClean="0"/>
-              <a:t>Items in the list are not sorted.</a:t>
-            </a:r>
-          </a:p>
-          <a:p>
-            <a:pPr marL="285750" indent="-285750">
+              <a:t>Example:</a:t>
+            </a:r>
+          </a:p>
+          <a:p>
+            <a:pPr marL="742950" lvl="1" indent="-285750">
               <a:buFont typeface="Arial" panose="020B0604020202020204" pitchFamily="34" charset="0"/>
               <a:buChar char="•"/>
             </a:pPr>
             <a:r>
               <a:rPr lang="en-US" dirty="0" smtClean="0"/>
-              <a:t>Each item may only be picked once.</a:t>
-            </a:r>
-            <a:endParaRPr lang="en-US" dirty="0"/>
+              <a:t>“ABCDEFG” and “AEDFHR” would give 3 (“AEF”)</a:t>
+            </a:r>
+          </a:p>
+          <a:p>
+            <a:pPr marL="742950" lvl="1" indent="-285750">
+              <a:buFont typeface="Arial" panose="020B0604020202020204" pitchFamily="34" charset="0"/>
+              <a:buChar char="•"/>
+            </a:pPr>
+            <a:r>
+              <a:rPr lang="en-US" dirty="0" smtClean="0"/>
+              <a:t>“WAYBXC” and “YBCAG” would give 3 (“YBC”)</a:t>
+            </a:r>
           </a:p>
         </p:txBody>
       </p:sp>
     </p:spTree>
     <p:extLst>
       <p:ext uri="{BB962C8B-B14F-4D97-AF65-F5344CB8AC3E}">
-        <p14:creationId xmlns:p14="http://schemas.microsoft.com/office/powerpoint/2010/main" val="2487188066"/>
+        <p14:creationId xmlns:p14="http://schemas.microsoft.com/office/powerpoint/2010/main" val="2903620422"/>
       </p:ext>
     </p:extLst>
   </p:cSld>
@@ -8666,7 +8723,7 @@
           <a:p>
             <a:r>
               <a:rPr lang="en-US" dirty="0" smtClean="0"/>
-              <a:t>White Board Q2:</a:t>
+              <a:t>White Board Bonus Q:</a:t>
             </a:r>
             <a:br>
               <a:rPr lang="en-US" dirty="0" smtClean="0"/>
@@ -8680,7 +8737,7 @@
             </a:br>
             <a:r>
               <a:rPr lang="en-US" dirty="0" smtClean="0"/>
-              <a:t>Longest Common Subsequence</a:t>
+              <a:t>Matrix Chain Multiplication</a:t>
             </a:r>
             <a:endParaRPr lang="en-US" dirty="0"/>
           </a:p>
@@ -8695,7 +8752,7 @@
         <p:spPr>
           <a:xfrm>
             <a:off x="1055604" y="2819400"/>
-            <a:ext cx="9839408" cy="1477328"/>
+            <a:ext cx="9839408" cy="3139321"/>
           </a:xfrm>
           <a:prstGeom prst="rect">
             <a:avLst/>
@@ -8710,48 +8767,135 @@
           <a:p>
             <a:r>
               <a:rPr lang="en-US" dirty="0" smtClean="0"/>
-              <a:t>Given 2 strings, find the length of the longest sequence present in both strings.</a:t>
-            </a:r>
-          </a:p>
-          <a:p>
+              <a:t>Given a series of matrices, find the lowest cost of operation needed to perform the multiplication.</a:t>
+            </a:r>
+          </a:p>
+          <a:p>
+            <a:endParaRPr lang="en-US" dirty="0"/>
+          </a:p>
+          <a:p>
+            <a:r>
+              <a:rPr lang="en-US" dirty="0" smtClean="0"/>
+              <a:t>Matrices are represented as such:	</a:t>
+            </a:r>
+          </a:p>
+          <a:p>
+            <a:r>
+              <a:rPr lang="en-US" dirty="0">
+                <a:latin typeface="Courier New" panose="02070309020205020404" pitchFamily="49" charset="0"/>
+                <a:cs typeface="Courier New" panose="02070309020205020404" pitchFamily="49" charset="0"/>
+              </a:rPr>
+              <a:t>	</a:t>
+            </a:r>
+            <a:r>
+              <a:rPr lang="en-US" dirty="0" smtClean="0">
+                <a:latin typeface="Courier New" panose="02070309020205020404" pitchFamily="49" charset="0"/>
+                <a:cs typeface="Courier New" panose="02070309020205020404" pitchFamily="49" charset="0"/>
+                <a:sym typeface="Wingdings" panose="05000000000000000000" pitchFamily="2" charset="2"/>
+              </a:rPr>
+              <a:t>{10, 30, 5, 60}  10x30, 30x5, 5x60</a:t>
+            </a:r>
+          </a:p>
+          <a:p>
+            <a:r>
+              <a:rPr lang="en-US" dirty="0">
+                <a:latin typeface="Courier New" panose="02070309020205020404" pitchFamily="49" charset="0"/>
+                <a:cs typeface="Courier New" panose="02070309020205020404" pitchFamily="49" charset="0"/>
+                <a:sym typeface="Wingdings" panose="05000000000000000000" pitchFamily="2" charset="2"/>
+              </a:rPr>
+              <a:t>	</a:t>
+            </a:r>
+            <a:r>
+              <a:rPr lang="en-US" dirty="0" smtClean="0">
+                <a:latin typeface="Courier New" panose="02070309020205020404" pitchFamily="49" charset="0"/>
+                <a:cs typeface="Courier New" panose="02070309020205020404" pitchFamily="49" charset="0"/>
+                <a:sym typeface="Wingdings" panose="05000000000000000000" pitchFamily="2" charset="2"/>
+              </a:rPr>
+              <a:t>{40,20,30,10,30}  40x20, 20x30, 30x10, 10x30</a:t>
+            </a:r>
+          </a:p>
+          <a:p>
+            <a:endParaRPr lang="en-US" dirty="0" smtClean="0">
+              <a:sym typeface="Wingdings" panose="05000000000000000000" pitchFamily="2" charset="2"/>
+            </a:endParaRPr>
+          </a:p>
+          <a:p>
+            <a:r>
+              <a:rPr lang="en-US" dirty="0" smtClean="0">
+                <a:sym typeface="Wingdings" panose="05000000000000000000" pitchFamily="2" charset="2"/>
+              </a:rPr>
+              <a:t>Using above to do a matrix multiplication as an example:</a:t>
+            </a:r>
+          </a:p>
+          <a:p>
+            <a:r>
+              <a:rPr lang="en-US" dirty="0">
+                <a:latin typeface="Courier New" panose="02070309020205020404" pitchFamily="49" charset="0"/>
+                <a:cs typeface="Courier New" panose="02070309020205020404" pitchFamily="49" charset="0"/>
+                <a:sym typeface="Wingdings" panose="05000000000000000000" pitchFamily="2" charset="2"/>
+              </a:rPr>
+              <a:t>	</a:t>
+            </a:r>
+            <a:r>
+              <a:rPr lang="en-US" dirty="0" smtClean="0">
+                <a:latin typeface="Courier New" panose="02070309020205020404" pitchFamily="49" charset="0"/>
+                <a:cs typeface="Courier New" panose="02070309020205020404" pitchFamily="49" charset="0"/>
+                <a:sym typeface="Wingdings" panose="05000000000000000000" pitchFamily="2" charset="2"/>
+              </a:rPr>
+              <a:t>A = 10x30, B = 30x5, C = 5x60</a:t>
+            </a:r>
+          </a:p>
+          <a:p>
+            <a:r>
+              <a:rPr lang="en-US" dirty="0">
+                <a:latin typeface="Courier New" panose="02070309020205020404" pitchFamily="49" charset="0"/>
+                <a:cs typeface="Courier New" panose="02070309020205020404" pitchFamily="49" charset="0"/>
+                <a:sym typeface="Wingdings" panose="05000000000000000000" pitchFamily="2" charset="2"/>
+              </a:rPr>
+              <a:t>	</a:t>
+            </a:r>
+            <a:r>
+              <a:rPr lang="en-US" dirty="0" smtClean="0">
+                <a:latin typeface="Courier New" panose="02070309020205020404" pitchFamily="49" charset="0"/>
+                <a:cs typeface="Courier New" panose="02070309020205020404" pitchFamily="49" charset="0"/>
+                <a:sym typeface="Wingdings" panose="05000000000000000000" pitchFamily="2" charset="2"/>
+              </a:rPr>
+              <a:t>(AB)C = 10x30x5 + 30x5x60 = 1500 + 3000 = 4500 ops</a:t>
+            </a:r>
+          </a:p>
+          <a:p>
+            <a:r>
+              <a:rPr lang="en-US" dirty="0">
+                <a:latin typeface="Courier New" panose="02070309020205020404" pitchFamily="49" charset="0"/>
+                <a:cs typeface="Courier New" panose="02070309020205020404" pitchFamily="49" charset="0"/>
+                <a:sym typeface="Wingdings" panose="05000000000000000000" pitchFamily="2" charset="2"/>
+              </a:rPr>
+              <a:t>	</a:t>
+            </a:r>
+            <a:r>
+              <a:rPr lang="en-US" dirty="0" smtClean="0">
+                <a:latin typeface="Courier New" panose="02070309020205020404" pitchFamily="49" charset="0"/>
+                <a:cs typeface="Courier New" panose="02070309020205020404" pitchFamily="49" charset="0"/>
+                <a:sym typeface="Wingdings" panose="05000000000000000000" pitchFamily="2" charset="2"/>
+              </a:rPr>
+              <a:t>A(BC) = 30x5x60 + 10x30x60 = 27000 ops</a:t>
+            </a:r>
+          </a:p>
+          <a:p>
+            <a:r>
+              <a:rPr lang="en-US" dirty="0">
+                <a:sym typeface="Wingdings" panose="05000000000000000000" pitchFamily="2" charset="2"/>
+              </a:rPr>
+              <a:t>		</a:t>
+            </a:r>
             <a:endParaRPr lang="en-US" dirty="0" smtClean="0"/>
-          </a:p>
-          <a:p>
-            <a:pPr marL="285750" indent="-285750">
-              <a:buFont typeface="Arial" panose="020B0604020202020204" pitchFamily="34" charset="0"/>
-              <a:buChar char="•"/>
-            </a:pPr>
-            <a:r>
-              <a:rPr lang="en-US" dirty="0" smtClean="0"/>
-              <a:t>Example:</a:t>
-            </a:r>
-          </a:p>
-          <a:p>
-            <a:pPr marL="742950" lvl="1" indent="-285750">
-              <a:buFont typeface="Arial" panose="020B0604020202020204" pitchFamily="34" charset="0"/>
-              <a:buChar char="•"/>
-            </a:pPr>
-            <a:r>
-              <a:rPr lang="en-US" dirty="0" smtClean="0"/>
-              <a:t>“ABCDEFG” and “AEDFHR” would give 3 (“AEF”)</a:t>
-            </a:r>
-          </a:p>
-          <a:p>
-            <a:pPr marL="742950" lvl="1" indent="-285750">
-              <a:buFont typeface="Arial" panose="020B0604020202020204" pitchFamily="34" charset="0"/>
-              <a:buChar char="•"/>
-            </a:pPr>
-            <a:r>
-              <a:rPr lang="en-US" dirty="0" smtClean="0"/>
-              <a:t>“WAYBXC” and “YBCAG” would give 3 (“YBC”)</a:t>
-            </a:r>
           </a:p>
         </p:txBody>
       </p:sp>
     </p:spTree>
     <p:extLst>
       <p:ext uri="{BB962C8B-B14F-4D97-AF65-F5344CB8AC3E}">
-        <p14:creationId xmlns:p14="http://schemas.microsoft.com/office/powerpoint/2010/main" val="2903620422"/>
+        <p14:creationId xmlns:p14="http://schemas.microsoft.com/office/powerpoint/2010/main" val="3082998173"/>
       </p:ext>
     </p:extLst>
   </p:cSld>
@@ -8792,56 +8936,14 @@
       </p:grpSpPr>
       <p:sp>
         <p:nvSpPr>
-          <p:cNvPr id="3" name="Title 2"/>
-          <p:cNvSpPr>
-            <a:spLocks noGrp="1"/>
-          </p:cNvSpPr>
-          <p:nvPr>
-            <p:ph type="title"/>
-          </p:nvPr>
-        </p:nvSpPr>
-        <p:spPr>
-          <a:xfrm>
-            <a:off x="1055604" y="685800"/>
-            <a:ext cx="9839408" cy="1752600"/>
-          </a:xfrm>
-        </p:spPr>
-        <p:txBody>
-          <a:bodyPr anchor="t"/>
-          <a:lstStyle/>
-          <a:p>
-            <a:r>
-              <a:rPr lang="en-US" dirty="0" smtClean="0"/>
-              <a:t>White Board Bonus Q:</a:t>
-            </a:r>
-            <a:br>
-              <a:rPr lang="en-US" dirty="0" smtClean="0"/>
-            </a:br>
-            <a:r>
-              <a:rPr lang="en-US" dirty="0"/>
-              <a:t/>
-            </a:r>
-            <a:br>
-              <a:rPr lang="en-US" dirty="0"/>
-            </a:br>
-            <a:r>
-              <a:rPr lang="en-US" dirty="0" smtClean="0"/>
-              <a:t>Matrix Chain Multiplication</a:t>
-            </a:r>
-            <a:endParaRPr lang="en-US" dirty="0"/>
-          </a:p>
-        </p:txBody>
-      </p:sp>
-      <p:sp>
-        <p:nvSpPr>
-          <p:cNvPr id="5" name="TextBox 4"/>
+          <p:cNvPr id="2" name="TextBox 1"/>
           <p:cNvSpPr txBox="1"/>
           <p:nvPr/>
         </p:nvSpPr>
         <p:spPr>
           <a:xfrm>
-            <a:off x="1055604" y="2819400"/>
-            <a:ext cx="9839408" cy="3139321"/>
+            <a:off x="1217612" y="990600"/>
+            <a:ext cx="9296400" cy="3046988"/>
           </a:xfrm>
           <a:prstGeom prst="rect">
             <a:avLst/>
@@ -8854,197 +8956,6 @@
           </a:bodyPr>
           <a:lstStyle/>
           <a:p>
-            <a:r>
-              <a:rPr lang="en-US" dirty="0" smtClean="0"/>
-              <a:t>Given a series of matrices, find the lowest cost of operation needed to perform the multiplication.</a:t>
-            </a:r>
-          </a:p>
-          <a:p>
-            <a:endParaRPr lang="en-US" dirty="0"/>
-          </a:p>
-          <a:p>
-            <a:r>
-              <a:rPr lang="en-US" dirty="0" smtClean="0"/>
-              <a:t>Matrices are represented as such:	</a:t>
-            </a:r>
-          </a:p>
-          <a:p>
-            <a:r>
-              <a:rPr lang="en-US" dirty="0">
-                <a:latin typeface="Courier New" panose="02070309020205020404" pitchFamily="49" charset="0"/>
-                <a:cs typeface="Courier New" panose="02070309020205020404" pitchFamily="49" charset="0"/>
-              </a:rPr>
-              <a:t>	</a:t>
-            </a:r>
-            <a:r>
-              <a:rPr lang="en-US" dirty="0" smtClean="0">
-                <a:latin typeface="Courier New" panose="02070309020205020404" pitchFamily="49" charset="0"/>
-                <a:cs typeface="Courier New" panose="02070309020205020404" pitchFamily="49" charset="0"/>
-                <a:sym typeface="Wingdings" panose="05000000000000000000" pitchFamily="2" charset="2"/>
-              </a:rPr>
-              <a:t>{10, 30, 5, 60}  10x30, 30x5, 5x60</a:t>
-            </a:r>
-          </a:p>
-          <a:p>
-            <a:r>
-              <a:rPr lang="en-US" dirty="0">
-                <a:latin typeface="Courier New" panose="02070309020205020404" pitchFamily="49" charset="0"/>
-                <a:cs typeface="Courier New" panose="02070309020205020404" pitchFamily="49" charset="0"/>
-                <a:sym typeface="Wingdings" panose="05000000000000000000" pitchFamily="2" charset="2"/>
-              </a:rPr>
-              <a:t>	</a:t>
-            </a:r>
-            <a:r>
-              <a:rPr lang="en-US" dirty="0" smtClean="0">
-                <a:latin typeface="Courier New" panose="02070309020205020404" pitchFamily="49" charset="0"/>
-                <a:cs typeface="Courier New" panose="02070309020205020404" pitchFamily="49" charset="0"/>
-                <a:sym typeface="Wingdings" panose="05000000000000000000" pitchFamily="2" charset="2"/>
-              </a:rPr>
-              <a:t>{40,20,30,10,30}  40x20, 20x30, 30x10, 10x30</a:t>
-            </a:r>
-          </a:p>
-          <a:p>
-            <a:endParaRPr lang="en-US" dirty="0" smtClean="0">
-              <a:sym typeface="Wingdings" panose="05000000000000000000" pitchFamily="2" charset="2"/>
-            </a:endParaRPr>
-          </a:p>
-          <a:p>
-            <a:r>
-              <a:rPr lang="en-US" dirty="0" smtClean="0">
-                <a:sym typeface="Wingdings" panose="05000000000000000000" pitchFamily="2" charset="2"/>
-              </a:rPr>
-              <a:t>Using above to do a matrix multiplication as an example:</a:t>
-            </a:r>
-          </a:p>
-          <a:p>
-            <a:r>
-              <a:rPr lang="en-US" dirty="0">
-                <a:latin typeface="Courier New" panose="02070309020205020404" pitchFamily="49" charset="0"/>
-                <a:cs typeface="Courier New" panose="02070309020205020404" pitchFamily="49" charset="0"/>
-                <a:sym typeface="Wingdings" panose="05000000000000000000" pitchFamily="2" charset="2"/>
-              </a:rPr>
-              <a:t>	</a:t>
-            </a:r>
-            <a:r>
-              <a:rPr lang="en-US" dirty="0" smtClean="0">
-                <a:latin typeface="Courier New" panose="02070309020205020404" pitchFamily="49" charset="0"/>
-                <a:cs typeface="Courier New" panose="02070309020205020404" pitchFamily="49" charset="0"/>
-                <a:sym typeface="Wingdings" panose="05000000000000000000" pitchFamily="2" charset="2"/>
-              </a:rPr>
-              <a:t>A = 10x30, B = 30x5, C = 5x60</a:t>
-            </a:r>
-          </a:p>
-          <a:p>
-            <a:r>
-              <a:rPr lang="en-US" dirty="0">
-                <a:latin typeface="Courier New" panose="02070309020205020404" pitchFamily="49" charset="0"/>
-                <a:cs typeface="Courier New" panose="02070309020205020404" pitchFamily="49" charset="0"/>
-                <a:sym typeface="Wingdings" panose="05000000000000000000" pitchFamily="2" charset="2"/>
-              </a:rPr>
-              <a:t>	</a:t>
-            </a:r>
-            <a:r>
-              <a:rPr lang="en-US" dirty="0" smtClean="0">
-                <a:latin typeface="Courier New" panose="02070309020205020404" pitchFamily="49" charset="0"/>
-                <a:cs typeface="Courier New" panose="02070309020205020404" pitchFamily="49" charset="0"/>
-                <a:sym typeface="Wingdings" panose="05000000000000000000" pitchFamily="2" charset="2"/>
-              </a:rPr>
-              <a:t>(AB)C = 10x30x5 + 30x5x60 = 1500 + 3000 = 4500 ops</a:t>
-            </a:r>
-          </a:p>
-          <a:p>
-            <a:r>
-              <a:rPr lang="en-US" dirty="0">
-                <a:latin typeface="Courier New" panose="02070309020205020404" pitchFamily="49" charset="0"/>
-                <a:cs typeface="Courier New" panose="02070309020205020404" pitchFamily="49" charset="0"/>
-                <a:sym typeface="Wingdings" panose="05000000000000000000" pitchFamily="2" charset="2"/>
-              </a:rPr>
-              <a:t>	</a:t>
-            </a:r>
-            <a:r>
-              <a:rPr lang="en-US" dirty="0" smtClean="0">
-                <a:latin typeface="Courier New" panose="02070309020205020404" pitchFamily="49" charset="0"/>
-                <a:cs typeface="Courier New" panose="02070309020205020404" pitchFamily="49" charset="0"/>
-                <a:sym typeface="Wingdings" panose="05000000000000000000" pitchFamily="2" charset="2"/>
-              </a:rPr>
-              <a:t>A(BC) = 30x5x60 + 10x30x60 = 27000 ops</a:t>
-            </a:r>
-          </a:p>
-          <a:p>
-            <a:r>
-              <a:rPr lang="en-US" dirty="0">
-                <a:sym typeface="Wingdings" panose="05000000000000000000" pitchFamily="2" charset="2"/>
-              </a:rPr>
-              <a:t>		</a:t>
-            </a:r>
-            <a:endParaRPr lang="en-US" dirty="0" smtClean="0"/>
-          </a:p>
-        </p:txBody>
-      </p:sp>
-    </p:spTree>
-    <p:extLst>
-      <p:ext uri="{BB962C8B-B14F-4D97-AF65-F5344CB8AC3E}">
-        <p14:creationId xmlns:p14="http://schemas.microsoft.com/office/powerpoint/2010/main" val="3082998173"/>
-      </p:ext>
-    </p:extLst>
-  </p:cSld>
-  <p:clrMapOvr>
-    <a:masterClrMapping/>
-  </p:clrMapOvr>
-  <mc:AlternateContent xmlns:mc="http://schemas.openxmlformats.org/markup-compatibility/2006">
-    <mc:Choice xmlns:p14="http://schemas.microsoft.com/office/powerpoint/2010/main" Requires="p14">
-      <p:transition spd="med" p14:dur="700">
-        <p:fade/>
-      </p:transition>
-    </mc:Choice>
-    <mc:Fallback>
-      <p:transition spd="med">
-        <p:fade/>
-      </p:transition>
-    </mc:Fallback>
-  </mc:AlternateContent>
-</p:sld>
-</file>
-
-<file path=ppt/slides/slide17.xml><?xml version="1.0" encoding="utf-8"?>
-<p:sld xmlns:a="http://schemas.openxmlformats.org/drawingml/2006/main" xmlns:r="http://schemas.openxmlformats.org/officeDocument/2006/relationships" xmlns:p="http://schemas.openxmlformats.org/presentationml/2006/main">
-  <p:cSld>
-    <p:spTree>
-      <p:nvGrpSpPr>
-        <p:cNvPr id="1" name=""/>
-        <p:cNvGrpSpPr/>
-        <p:nvPr/>
-      </p:nvGrpSpPr>
-      <p:grpSpPr>
-        <a:xfrm>
-          <a:off x="0" y="0"/>
-          <a:ext cx="0" cy="0"/>
-          <a:chOff x="0" y="0"/>
-          <a:chExt cx="0" cy="0"/>
-        </a:xfrm>
-      </p:grpSpPr>
-      <p:sp>
-        <p:nvSpPr>
-          <p:cNvPr id="2" name="TextBox 1"/>
-          <p:cNvSpPr txBox="1"/>
-          <p:nvPr/>
-        </p:nvSpPr>
-        <p:spPr>
-          <a:xfrm>
-            <a:off x="1217612" y="990600"/>
-            <a:ext cx="9296400" cy="1938992"/>
-          </a:xfrm>
-          <a:prstGeom prst="rect">
-            <a:avLst/>
-          </a:prstGeom>
-          <a:noFill/>
-        </p:spPr>
-        <p:txBody>
-          <a:bodyPr wrap="square" rtlCol="0">
-            <a:spAutoFit/>
-          </a:bodyPr>
-          <a:lstStyle/>
-          <a:p>
             <a:pPr algn="ctr"/>
             <a:r>
               <a:rPr lang="en-US" sz="4800" dirty="0" smtClean="0"/>
@@ -9056,14 +8967,50 @@
           </a:p>
           <a:p>
             <a:r>
+              <a:rPr lang="en-US" sz="2400" dirty="0" smtClean="0"/>
+              <a:t>This and future </a:t>
+            </a:r>
+            <a:r>
+              <a:rPr lang="en-US" sz="2400" dirty="0"/>
+              <a:t>presentation </a:t>
+            </a:r>
+            <a:r>
+              <a:rPr lang="en-US" sz="2400" dirty="0" smtClean="0"/>
+              <a:t>are available on GitHub at:</a:t>
+            </a:r>
+          </a:p>
+          <a:p>
+            <a:r>
+              <a:rPr lang="en-US" sz="2400" dirty="0">
+                <a:hlinkClick r:id="rId2"/>
+              </a:rPr>
+              <a:t>https://</a:t>
+            </a:r>
+            <a:r>
+              <a:rPr lang="en-US" sz="2400" dirty="0" smtClean="0">
+                <a:hlinkClick r:id="rId2"/>
+              </a:rPr>
+              <a:t>github.com/ewang1/CSciTopics</a:t>
+            </a:r>
+            <a:endParaRPr lang="en-US" sz="2400" dirty="0" smtClean="0"/>
+          </a:p>
+          <a:p>
+            <a:endParaRPr lang="en-US" sz="2400" dirty="0"/>
+          </a:p>
+          <a:p>
+            <a:endParaRPr lang="en-US" dirty="0" smtClean="0"/>
+          </a:p>
+          <a:p>
+            <a:r>
               <a:rPr lang="en-US" dirty="0" smtClean="0"/>
-              <a:t>This presentation and future ones are available on GitHub at:</a:t>
-            </a:r>
-          </a:p>
-          <a:p>
-            <a:endParaRPr lang="en-US" dirty="0"/>
-          </a:p>
-          <a:p>
+              <a:t>Thanks,</a:t>
+            </a:r>
+          </a:p>
+          <a:p>
+            <a:r>
+              <a:rPr lang="en-US" dirty="0" smtClean="0"/>
+              <a:t>Emery</a:t>
+            </a:r>
             <a:endParaRPr lang="en-US" dirty="0"/>
           </a:p>
         </p:txBody>
@@ -9258,331 +9205,6 @@
 </file>
 
 <file path=ppt/slides/slide3.xml><?xml version="1.0" encoding="utf-8"?>
-<p:sld xmlns:a="http://schemas.openxmlformats.org/drawingml/2006/main" xmlns:r="http://schemas.openxmlformats.org/officeDocument/2006/relationships" xmlns:p="http://schemas.openxmlformats.org/presentationml/2006/main">
-  <p:cSld>
-    <p:spTree>
-      <p:nvGrpSpPr>
-        <p:cNvPr id="1" name=""/>
-        <p:cNvGrpSpPr/>
-        <p:nvPr/>
-      </p:nvGrpSpPr>
-      <p:grpSpPr>
-        <a:xfrm>
-          <a:off x="0" y="0"/>
-          <a:ext cx="0" cy="0"/>
-          <a:chOff x="0" y="0"/>
-          <a:chExt cx="0" cy="0"/>
-        </a:xfrm>
-      </p:grpSpPr>
-      <p:sp>
-        <p:nvSpPr>
-          <p:cNvPr id="2" name="Title 1"/>
-          <p:cNvSpPr>
-            <a:spLocks noGrp="1"/>
-          </p:cNvSpPr>
-          <p:nvPr>
-            <p:ph type="title"/>
-          </p:nvPr>
-        </p:nvSpPr>
-        <p:spPr/>
-        <p:txBody>
-          <a:bodyPr/>
-          <a:lstStyle/>
-          <a:p>
-            <a:r>
-              <a:rPr lang="en-US" smtClean="0"/>
-              <a:t>Two Content Layout with Table</a:t>
-            </a:r>
-            <a:endParaRPr lang="en-US" dirty="0"/>
-          </a:p>
-        </p:txBody>
-      </p:sp>
-      <p:sp>
-        <p:nvSpPr>
-          <p:cNvPr id="3" name="Content Placeholder 2"/>
-          <p:cNvSpPr>
-            <a:spLocks noGrp="1"/>
-          </p:cNvSpPr>
-          <p:nvPr>
-            <p:ph sz="half" idx="1"/>
-          </p:nvPr>
-        </p:nvSpPr>
-        <p:spPr/>
-        <p:txBody>
-          <a:bodyPr/>
-          <a:lstStyle/>
-          <a:p>
-            <a:r>
-              <a:rPr lang="en-US" smtClean="0"/>
-              <a:t>First bullet point here</a:t>
-            </a:r>
-          </a:p>
-          <a:p>
-            <a:r>
-              <a:rPr lang="en-US" smtClean="0"/>
-              <a:t>Second bullet point here</a:t>
-            </a:r>
-          </a:p>
-          <a:p>
-            <a:r>
-              <a:rPr lang="en-US" smtClean="0"/>
-              <a:t>Third bullet point here</a:t>
-            </a:r>
-            <a:endParaRPr lang="en-US" dirty="0"/>
-          </a:p>
-        </p:txBody>
-      </p:sp>
-      <p:graphicFrame>
-        <p:nvGraphicFramePr>
-          <p:cNvPr id="9" name="Content Placeholder 8" descr="Sample table with 3 columns, 4 rows" title="Table"/>
-          <p:cNvGraphicFramePr>
-            <a:graphicFrameLocks noGrp="1"/>
-          </p:cNvGraphicFramePr>
-          <p:nvPr>
-            <p:ph sz="half" idx="2"/>
-            <p:extLst>
-              <p:ext uri="{D42A27DB-BD31-4B8C-83A1-F6EECF244321}">
-                <p14:modId xmlns:p14="http://schemas.microsoft.com/office/powerpoint/2010/main" val="1370186230"/>
-              </p:ext>
-            </p:extLst>
-          </p:nvPr>
-        </p:nvGraphicFramePr>
-        <p:xfrm>
-          <a:off x="6229350" y="1905000"/>
-          <a:ext cx="4419600" cy="2057400"/>
-        </p:xfrm>
-        <a:graphic>
-          <a:graphicData uri="http://schemas.openxmlformats.org/drawingml/2006/table">
-            <a:tbl>
-              <a:tblPr firstRow="1" bandRow="1">
-                <a:tableStyleId>{5C22544A-7EE6-4342-B048-85BDC9FD1C3A}</a:tableStyleId>
-              </a:tblPr>
-              <a:tblGrid>
-                <a:gridCol w="1473200"/>
-                <a:gridCol w="1473200"/>
-                <a:gridCol w="1473200"/>
-              </a:tblGrid>
-              <a:tr h="514350">
-                <a:tc>
-                  <a:txBody>
-                    <a:bodyPr/>
-                    <a:lstStyle/>
-                    <a:p>
-                      <a:endParaRPr lang="en-US" dirty="0"/>
-                    </a:p>
-                  </a:txBody>
-                  <a:tcPr anchor="ctr"/>
-                </a:tc>
-                <a:tc>
-                  <a:txBody>
-                    <a:bodyPr/>
-                    <a:lstStyle/>
-                    <a:p>
-                      <a:pPr algn="ctr"/>
-                      <a:r>
-                        <a:rPr lang="en-US" dirty="0" smtClean="0"/>
-                        <a:t>Group 1</a:t>
-                      </a:r>
-                      <a:endParaRPr lang="en-US" dirty="0"/>
-                    </a:p>
-                  </a:txBody>
-                  <a:tcPr anchor="ctr"/>
-                </a:tc>
-                <a:tc>
-                  <a:txBody>
-                    <a:bodyPr/>
-                    <a:lstStyle/>
-                    <a:p>
-                      <a:pPr algn="ctr"/>
-                      <a:r>
-                        <a:rPr lang="en-US" dirty="0" smtClean="0"/>
-                        <a:t>Group 2</a:t>
-                      </a:r>
-                      <a:endParaRPr lang="en-US" dirty="0"/>
-                    </a:p>
-                  </a:txBody>
-                  <a:tcPr anchor="ctr"/>
-                </a:tc>
-              </a:tr>
-              <a:tr h="514350">
-                <a:tc>
-                  <a:txBody>
-                    <a:bodyPr/>
-                    <a:lstStyle/>
-                    <a:p>
-                      <a:r>
-                        <a:rPr lang="en-US" dirty="0" smtClean="0"/>
-                        <a:t>Class 1</a:t>
-                      </a:r>
-                      <a:endParaRPr lang="en-US" dirty="0"/>
-                    </a:p>
-                  </a:txBody>
-                  <a:tcPr anchor="ctr"/>
-                </a:tc>
-                <a:tc>
-                  <a:txBody>
-                    <a:bodyPr/>
-                    <a:lstStyle/>
-                    <a:p>
-                      <a:pPr algn="ctr"/>
-                      <a:r>
-                        <a:rPr lang="en-US" dirty="0" smtClean="0"/>
-                        <a:t>82</a:t>
-                      </a:r>
-                      <a:endParaRPr lang="en-US" dirty="0"/>
-                    </a:p>
-                  </a:txBody>
-                  <a:tcPr anchor="ctr"/>
-                </a:tc>
-                <a:tc>
-                  <a:txBody>
-                    <a:bodyPr/>
-                    <a:lstStyle/>
-                    <a:p>
-                      <a:pPr algn="ctr"/>
-                      <a:r>
-                        <a:rPr lang="en-US" dirty="0" smtClean="0"/>
-                        <a:t>95</a:t>
-                      </a:r>
-                      <a:endParaRPr lang="en-US" dirty="0"/>
-                    </a:p>
-                  </a:txBody>
-                  <a:tcPr anchor="ctr"/>
-                </a:tc>
-              </a:tr>
-              <a:tr h="514350">
-                <a:tc>
-                  <a:txBody>
-                    <a:bodyPr/>
-                    <a:lstStyle/>
-                    <a:p>
-                      <a:r>
-                        <a:rPr lang="en-US" dirty="0" smtClean="0"/>
-                        <a:t>Class</a:t>
-                      </a:r>
-                      <a:r>
-                        <a:rPr lang="en-US" baseline="0" dirty="0" smtClean="0"/>
-                        <a:t> 2</a:t>
-                      </a:r>
-                      <a:endParaRPr lang="en-US" dirty="0"/>
-                    </a:p>
-                  </a:txBody>
-                  <a:tcPr anchor="ctr"/>
-                </a:tc>
-                <a:tc>
-                  <a:txBody>
-                    <a:bodyPr/>
-                    <a:lstStyle/>
-                    <a:p>
-                      <a:pPr algn="ctr"/>
-                      <a:r>
-                        <a:rPr lang="en-US" dirty="0" smtClean="0"/>
-                        <a:t>76</a:t>
-                      </a:r>
-                      <a:endParaRPr lang="en-US" dirty="0"/>
-                    </a:p>
-                  </a:txBody>
-                  <a:tcPr anchor="ctr"/>
-                </a:tc>
-                <a:tc>
-                  <a:txBody>
-                    <a:bodyPr/>
-                    <a:lstStyle/>
-                    <a:p>
-                      <a:pPr algn="ctr"/>
-                      <a:r>
-                        <a:rPr lang="en-US" dirty="0" smtClean="0"/>
-                        <a:t>88</a:t>
-                      </a:r>
-                      <a:endParaRPr lang="en-US" dirty="0"/>
-                    </a:p>
-                  </a:txBody>
-                  <a:tcPr anchor="ctr"/>
-                </a:tc>
-              </a:tr>
-              <a:tr h="514350">
-                <a:tc>
-                  <a:txBody>
-                    <a:bodyPr/>
-                    <a:lstStyle/>
-                    <a:p>
-                      <a:r>
-                        <a:rPr lang="en-US" dirty="0" smtClean="0"/>
-                        <a:t>Class 3</a:t>
-                      </a:r>
-                      <a:endParaRPr lang="en-US" dirty="0"/>
-                    </a:p>
-                  </a:txBody>
-                  <a:tcPr anchor="ctr"/>
-                </a:tc>
-                <a:tc>
-                  <a:txBody>
-                    <a:bodyPr/>
-                    <a:lstStyle/>
-                    <a:p>
-                      <a:pPr algn="ctr"/>
-                      <a:r>
-                        <a:rPr lang="en-US" dirty="0" smtClean="0"/>
-                        <a:t>84</a:t>
-                      </a:r>
-                      <a:endParaRPr lang="en-US" dirty="0"/>
-                    </a:p>
-                  </a:txBody>
-                  <a:tcPr anchor="ctr"/>
-                </a:tc>
-                <a:tc>
-                  <a:txBody>
-                    <a:bodyPr/>
-                    <a:lstStyle/>
-                    <a:p>
-                      <a:pPr algn="ctr"/>
-                      <a:r>
-                        <a:rPr lang="en-US" dirty="0" smtClean="0"/>
-                        <a:t>90</a:t>
-                      </a:r>
-                      <a:endParaRPr lang="en-US" dirty="0"/>
-                    </a:p>
-                  </a:txBody>
-                  <a:tcPr anchor="ctr"/>
-                </a:tc>
-              </a:tr>
-            </a:tbl>
-          </a:graphicData>
-        </a:graphic>
-      </p:graphicFrame>
-    </p:spTree>
-    <p:extLst>
-      <p:ext uri="{BB962C8B-B14F-4D97-AF65-F5344CB8AC3E}">
-        <p14:creationId xmlns:p14="http://schemas.microsoft.com/office/powerpoint/2010/main" val="4206988261"/>
-      </p:ext>
-    </p:extLst>
-  </p:cSld>
-  <p:clrMapOvr>
-    <a:masterClrMapping/>
-  </p:clrMapOvr>
-  <mc:AlternateContent xmlns:mc="http://schemas.openxmlformats.org/markup-compatibility/2006" xmlns:p14="http://schemas.microsoft.com/office/powerpoint/2010/main">
-    <mc:Choice Requires="p14">
-      <p:transition spd="med" p14:dur="700">
-        <p:fade/>
-      </p:transition>
-    </mc:Choice>
-    <mc:Fallback xmlns="">
-      <p:transition spd="med">
-        <p:fade/>
-      </p:transition>
-    </mc:Fallback>
-  </mc:AlternateContent>
-  <p:timing>
-    <p:tnLst>
-      <p:par>
-        <p:cTn id="1" dur="indefinite" restart="never" nodeType="tmRoot"/>
-      </p:par>
-    </p:tnLst>
-  </p:timing>
-</p:sld>
-</file>
-
-<file path=ppt/slides/slide4.xml><?xml version="1.0" encoding="utf-8"?>
 <p:sld xmlns:a="http://schemas.openxmlformats.org/drawingml/2006/main" xmlns:r="http://schemas.openxmlformats.org/officeDocument/2006/relationships" xmlns:p="http://schemas.openxmlformats.org/presentationml/2006/main">
   <p:cSld>
     <p:spTree>
@@ -9679,7 +9301,7 @@
 </p:sld>
 </file>
 
-<file path=ppt/slides/slide5.xml><?xml version="1.0" encoding="utf-8"?>
+<file path=ppt/slides/slide4.xml><?xml version="1.0" encoding="utf-8"?>
 <p:sld xmlns:a="http://schemas.openxmlformats.org/drawingml/2006/main" xmlns:r="http://schemas.openxmlformats.org/officeDocument/2006/relationships" xmlns:p="http://schemas.openxmlformats.org/presentationml/2006/main">
   <p:cSld>
     <p:spTree>
@@ -9953,7 +9575,7 @@
 </p:sld>
 </file>
 
-<file path=ppt/slides/slide6.xml><?xml version="1.0" encoding="utf-8"?>
+<file path=ppt/slides/slide5.xml><?xml version="1.0" encoding="utf-8"?>
 <p:sld xmlns:a="http://schemas.openxmlformats.org/drawingml/2006/main" xmlns:r="http://schemas.openxmlformats.org/officeDocument/2006/relationships" xmlns:p="http://schemas.openxmlformats.org/presentationml/2006/main">
   <p:cSld>
     <p:spTree>
@@ -10038,6 +9660,115 @@
       </p:transition>
     </mc:Fallback>
   </mc:AlternateContent>
+</p:sld>
+</file>
+
+<file path=ppt/slides/slide6.xml><?xml version="1.0" encoding="utf-8"?>
+<p:sld xmlns:a="http://schemas.openxmlformats.org/drawingml/2006/main" xmlns:r="http://schemas.openxmlformats.org/officeDocument/2006/relationships" xmlns:p="http://schemas.openxmlformats.org/presentationml/2006/main">
+  <p:cSld>
+    <p:spTree>
+      <p:nvGrpSpPr>
+        <p:cNvPr id="1" name=""/>
+        <p:cNvGrpSpPr/>
+        <p:nvPr/>
+      </p:nvGrpSpPr>
+      <p:grpSpPr>
+        <a:xfrm>
+          <a:off x="0" y="0"/>
+          <a:ext cx="0" cy="0"/>
+          <a:chOff x="0" y="0"/>
+          <a:chExt cx="0" cy="0"/>
+        </a:xfrm>
+      </p:grpSpPr>
+      <p:sp>
+        <p:nvSpPr>
+          <p:cNvPr id="13" name="Title 12"/>
+          <p:cNvSpPr>
+            <a:spLocks noGrp="1"/>
+          </p:cNvSpPr>
+          <p:nvPr>
+            <p:ph type="title"/>
+          </p:nvPr>
+        </p:nvSpPr>
+        <p:spPr/>
+        <p:txBody>
+          <a:bodyPr/>
+          <a:lstStyle/>
+          <a:p>
+            <a:r>
+              <a:rPr lang="en-US" dirty="0" smtClean="0"/>
+              <a:t>Greedy Algorithm’s Downfall</a:t>
+            </a:r>
+            <a:endParaRPr lang="en-US" dirty="0"/>
+          </a:p>
+        </p:txBody>
+      </p:sp>
+      <p:sp>
+        <p:nvSpPr>
+          <p:cNvPr id="14" name="Content Placeholder 13"/>
+          <p:cNvSpPr>
+            <a:spLocks noGrp="1"/>
+          </p:cNvSpPr>
+          <p:nvPr>
+            <p:ph idx="1"/>
+          </p:nvPr>
+        </p:nvSpPr>
+        <p:spPr/>
+        <p:txBody>
+          <a:bodyPr>
+            <a:normAutofit/>
+          </a:bodyPr>
+          <a:lstStyle/>
+          <a:p>
+            <a:r>
+              <a:rPr lang="en-US" dirty="0" smtClean="0"/>
+              <a:t>Greedy Algorithm’s “short-sighted” approach doesn’t always yield the optimal solution.</a:t>
+            </a:r>
+          </a:p>
+          <a:p>
+            <a:r>
+              <a:rPr lang="en-US" dirty="0" smtClean="0"/>
+              <a:t>In order to find the optimal solutions, all possible paths have to be evaluated to validate such path is the best.</a:t>
+            </a:r>
+          </a:p>
+          <a:p>
+            <a:r>
+              <a:rPr lang="en-US" dirty="0" smtClean="0"/>
+              <a:t>For such path evaluations, same paths may be evaluated multiple times as part of the sub-problem evaluation in a problem with overlapping substructure.</a:t>
+            </a:r>
+            <a:endParaRPr lang="en-US" dirty="0"/>
+          </a:p>
+        </p:txBody>
+      </p:sp>
+    </p:spTree>
+    <p:extLst>
+      <p:ext uri="{BB962C8B-B14F-4D97-AF65-F5344CB8AC3E}">
+        <p14:creationId xmlns:p14="http://schemas.microsoft.com/office/powerpoint/2010/main" val="852657438"/>
+      </p:ext>
+    </p:extLst>
+  </p:cSld>
+  <p:clrMapOvr>
+    <a:masterClrMapping/>
+  </p:clrMapOvr>
+  <mc:AlternateContent xmlns:mc="http://schemas.openxmlformats.org/markup-compatibility/2006">
+    <mc:Choice xmlns:p14="http://schemas.microsoft.com/office/powerpoint/2010/main" Requires="p14">
+      <p:transition spd="med" p14:dur="700">
+        <p:fade/>
+      </p:transition>
+    </mc:Choice>
+    <mc:Fallback>
+      <p:transition spd="med">
+        <p:fade/>
+      </p:transition>
+    </mc:Fallback>
+  </mc:AlternateContent>
+  <p:timing>
+    <p:tnLst>
+      <p:par>
+        <p:cTn id="1" dur="indefinite" restart="never" nodeType="tmRoot"/>
+      </p:par>
+    </p:tnLst>
+  </p:timing>
 </p:sld>
 </file>
 
@@ -10074,8 +9805,8 @@
           <a:lstStyle/>
           <a:p>
             <a:r>
-              <a:rPr lang="en-US" dirty="0" smtClean="0"/>
-              <a:t>Greedy Algorithm’s Downfall</a:t>
+              <a:rPr lang="en-US" dirty="0" err="1" smtClean="0"/>
+              <a:t>Memoization</a:t>
             </a:r>
             <a:endParaRPr lang="en-US" dirty="0"/>
           </a:p>
@@ -10099,20 +9830,32 @@
           <a:lstStyle/>
           <a:p>
             <a:r>
+              <a:rPr lang="en-US" dirty="0"/>
+              <a:t>In computing, </a:t>
+            </a:r>
+            <a:r>
+              <a:rPr lang="en-US" dirty="0" err="1"/>
+              <a:t>memoization</a:t>
+            </a:r>
+            <a:r>
+              <a:rPr lang="en-US" dirty="0"/>
+              <a:t> is an optimization technique used primarily to speed up computer programs by storing the results of expensive function calls and returning the cached result when the same inputs occur again</a:t>
+            </a:r>
+            <a:r>
               <a:rPr lang="en-US" dirty="0" smtClean="0"/>
-              <a:t>Greedy Algorithm’s “short-sighted” approach doesn’t always yield the optimal solution.</a:t>
+              <a:t>. (Wikipedia)</a:t>
             </a:r>
           </a:p>
           <a:p>
             <a:r>
               <a:rPr lang="en-US" dirty="0" smtClean="0"/>
-              <a:t>In order to find the optimal solutions, all possible paths have to be evaluated to validate such path is the best.</a:t>
+              <a:t>Very useful technique for “optimal solution” problems that can be solved by computing optimal substructures.</a:t>
             </a:r>
           </a:p>
           <a:p>
             <a:r>
               <a:rPr lang="en-US" dirty="0" smtClean="0"/>
-              <a:t>For such path evaluations, same paths may be evaluated multiple times as part of the sub-problem evaluation in a problem with overlapping substructure.</a:t>
+              <a:t>In practice, it is also widely used in stateless programming (e.g. HTTP web programs)</a:t>
             </a:r>
             <a:endParaRPr lang="en-US" dirty="0"/>
           </a:p>
@@ -10121,7 +9864,7 @@
     </p:spTree>
     <p:extLst>
       <p:ext uri="{BB962C8B-B14F-4D97-AF65-F5344CB8AC3E}">
-        <p14:creationId xmlns:p14="http://schemas.microsoft.com/office/powerpoint/2010/main" val="852657438"/>
+        <p14:creationId xmlns:p14="http://schemas.microsoft.com/office/powerpoint/2010/main" val="2259484115"/>
       </p:ext>
     </p:extLst>
   </p:cSld>
@@ -10183,6 +9926,17 @@
           <a:lstStyle/>
           <a:p>
             <a:r>
+              <a:rPr lang="en-US" dirty="0" smtClean="0"/>
+              <a:t/>
+            </a:r>
+            <a:br>
+              <a:rPr lang="en-US" dirty="0" smtClean="0"/>
+            </a:br>
+            <a:r>
+              <a:rPr lang="en-US" dirty="0" smtClean="0"/>
+              <a:t>Minimum Steps to Zero w/ </a:t>
+            </a:r>
+            <a:r>
               <a:rPr lang="en-US" dirty="0" err="1" smtClean="0"/>
               <a:t>Memoization</a:t>
             </a:r>
@@ -10208,33 +9962,32 @@
           <a:lstStyle/>
           <a:p>
             <a:r>
-              <a:rPr lang="en-US" dirty="0"/>
-              <a:t>In computing, </a:t>
-            </a:r>
-            <a:r>
-              <a:rPr lang="en-US" dirty="0" err="1"/>
-              <a:t>memoization</a:t>
-            </a:r>
-            <a:r>
-              <a:rPr lang="en-US" dirty="0"/>
-              <a:t> is an optimization technique used primarily to speed up computer programs by storing the results of expensive function calls and returning the cached result when the same inputs occur again</a:t>
-            </a:r>
-            <a:r>
               <a:rPr lang="en-US" dirty="0" smtClean="0"/>
-              <a:t>. (Wikipedia)</a:t>
-            </a:r>
-          </a:p>
-          <a:p>
+              <a:t>Use a record variable / object to store the best result for a given computation.</a:t>
+            </a:r>
+          </a:p>
+          <a:p>
+            <a:pPr lvl="1"/>
             <a:r>
               <a:rPr lang="en-US" dirty="0" smtClean="0"/>
-              <a:t>Very useful technique for “optimal solution” problems that can be solved by computing optimal substructures.</a:t>
-            </a:r>
-          </a:p>
-          <a:p>
+              <a:t>Given integer ‘x’ and the 3 possible steps, evaluate all viable paths and subsequent viable paths.</a:t>
+            </a:r>
+          </a:p>
+          <a:p>
+            <a:pPr lvl="1"/>
             <a:r>
               <a:rPr lang="en-US" dirty="0" smtClean="0"/>
-              <a:t>In practice, it is also widely used in stateless programming (e.g. HTTP web programs)</a:t>
-            </a:r>
+              <a:t>With each sub-path evaluation, find the lowest possible step count and store the result for that path by comparing the results and storing the lowest.</a:t>
+            </a:r>
+          </a:p>
+          <a:p>
+            <a:pPr lvl="1"/>
+            <a:r>
+              <a:rPr lang="en-US" dirty="0" smtClean="0"/>
+              <a:t>As each level of evaluation gets computed, add up the count at each level until finally reaching the end.</a:t>
+            </a:r>
+          </a:p>
+          <a:p>
             <a:endParaRPr lang="en-US" dirty="0"/>
           </a:p>
         </p:txBody>
@@ -10242,7 +9995,7 @@
     </p:spTree>
     <p:extLst>
       <p:ext uri="{BB962C8B-B14F-4D97-AF65-F5344CB8AC3E}">
-        <p14:creationId xmlns:p14="http://schemas.microsoft.com/office/powerpoint/2010/main" val="2259484115"/>
+        <p14:creationId xmlns:p14="http://schemas.microsoft.com/office/powerpoint/2010/main" val="4270135162"/>
       </p:ext>
     </p:extLst>
   </p:cSld>
@@ -10290,7 +10043,7 @@
       </p:grpSpPr>
       <p:sp>
         <p:nvSpPr>
-          <p:cNvPr id="13" name="Title 12"/>
+          <p:cNvPr id="2" name="Title 1"/>
           <p:cNvSpPr>
             <a:spLocks noGrp="1"/>
           </p:cNvSpPr>
@@ -10305,18 +10058,7 @@
           <a:p>
             <a:r>
               <a:rPr lang="en-US" dirty="0" smtClean="0"/>
-              <a:t/>
-            </a:r>
-            <a:br>
-              <a:rPr lang="en-US" dirty="0" smtClean="0"/>
-            </a:br>
-            <a:r>
-              <a:rPr lang="en-US" dirty="0" smtClean="0"/>
-              <a:t>Minimum Steps to Zero w/ </a:t>
-            </a:r>
-            <a:r>
-              <a:rPr lang="en-US" dirty="0" err="1" smtClean="0"/>
-              <a:t>Memoization</a:t>
+              <a:t>Can You Improve This Further? (Pt. 2)</a:t>
             </a:r>
             <a:endParaRPr lang="en-US" dirty="0"/>
           </a:p>
@@ -10324,48 +10066,23 @@
       </p:sp>
       <p:sp>
         <p:nvSpPr>
-          <p:cNvPr id="14" name="Content Placeholder 13"/>
+          <p:cNvPr id="3" name="Text Placeholder 2"/>
           <p:cNvSpPr>
             <a:spLocks noGrp="1"/>
           </p:cNvSpPr>
           <p:nvPr>
-            <p:ph idx="1"/>
+            <p:ph type="body" idx="1"/>
           </p:nvPr>
         </p:nvSpPr>
         <p:spPr/>
         <p:txBody>
-          <a:bodyPr>
-            <a:normAutofit/>
-          </a:bodyPr>
+          <a:bodyPr/>
           <a:lstStyle/>
           <a:p>
             <a:r>
               <a:rPr lang="en-US" dirty="0" smtClean="0"/>
-              <a:t>Use a record variable / object to store the best result for a given computation.</a:t>
-            </a:r>
-          </a:p>
-          <a:p>
-            <a:pPr lvl="1"/>
-            <a:r>
-              <a:rPr lang="en-US" dirty="0" smtClean="0"/>
-              <a:t>Given integer ‘x’ and the 3 possible steps, evaluate all viable paths and subsequent viable paths.</a:t>
-            </a:r>
-          </a:p>
-          <a:p>
-            <a:pPr lvl="1"/>
-            <a:r>
-              <a:rPr lang="en-US" dirty="0" smtClean="0"/>
-              <a:t>With each sub-path evaluation, find the lowest possible step count and store the result for that path by comparing the results and storing the lowest.</a:t>
-            </a:r>
-          </a:p>
-          <a:p>
-            <a:pPr lvl="1"/>
-            <a:r>
-              <a:rPr lang="en-US" dirty="0" smtClean="0"/>
-              <a:t>As each level of evaluation gets computed, add up the count at each level until finally reaching the end.</a:t>
-            </a:r>
-          </a:p>
-          <a:p>
+              <a:t>Improving from Recursion</a:t>
+            </a:r>
             <a:endParaRPr lang="en-US" dirty="0"/>
           </a:p>
         </p:txBody>
@@ -10373,7 +10090,7 @@
     </p:spTree>
     <p:extLst>
       <p:ext uri="{BB962C8B-B14F-4D97-AF65-F5344CB8AC3E}">
-        <p14:creationId xmlns:p14="http://schemas.microsoft.com/office/powerpoint/2010/main" val="4270135162"/>
+        <p14:creationId xmlns:p14="http://schemas.microsoft.com/office/powerpoint/2010/main" val="453418106"/>
       </p:ext>
     </p:extLst>
   </p:cSld>
@@ -10392,13 +10109,6 @@
       </p:transition>
     </mc:Fallback>
   </mc:AlternateContent>
-  <p:timing>
-    <p:tnLst>
-      <p:par>
-        <p:cTn id="1" dur="indefinite" restart="never" nodeType="tmRoot"/>
-      </p:par>
-    </p:tnLst>
-  </p:timing>
 </p:sld>
 </file>
 
